--- a/Office Docs/1 Getting Started.pptx
+++ b/Office Docs/1 Getting Started.pptx
@@ -260,7 +260,7 @@
           <a:p>
             <a:fld id="{A9DDBD42-E139-45FA-9C16-1611187CAC3F}" type="datetimeFigureOut">
               <a:rPr lang="en-US" smtClean="0"/>
-              <a:t>9/19/2014</a:t>
+              <a:t>9/22/2014</a:t>
             </a:fld>
             <a:endParaRPr lang="en-US"/>
           </a:p>
@@ -4335,7 +4335,7 @@
         <p:spPr>
           <a:xfrm>
             <a:off x="3792354" y="3368842"/>
-            <a:ext cx="968535" cy="646331"/>
+            <a:ext cx="2035685" cy="646331"/>
           </a:xfrm>
           <a:prstGeom prst="rect">
             <a:avLst/>
@@ -4354,7 +4354,7 @@
                   <a:schemeClr val="tx2"/>
                 </a:solidFill>
               </a:rPr>
-              <a:t>Java</a:t>
+              <a:t>JavaScript</a:t>
             </a:r>
             <a:endParaRPr lang="en-US" sz="3600" dirty="0">
               <a:solidFill>
@@ -8595,14 +8595,14 @@
                 <a:gridCol w="5762625">
                   <a:extLst>
                     <a:ext uri="{9D8B030D-6E8A-4147-A177-3AD203B41FA5}">
-                      <a16:colId xmlns:a16="http://schemas.microsoft.com/office/drawing/2014/main" val="1632794655"/>
+                      <a16:colId xmlns:a16="http://schemas.microsoft.com/office/drawing/2014/main" xmlns="" val="1632794655"/>
                     </a:ext>
                   </a:extLst>
                 </a:gridCol>
                 <a:gridCol w="5762625">
                   <a:extLst>
                     <a:ext uri="{9D8B030D-6E8A-4147-A177-3AD203B41FA5}">
-                      <a16:colId xmlns:a16="http://schemas.microsoft.com/office/drawing/2014/main" val="2011313899"/>
+                      <a16:colId xmlns:a16="http://schemas.microsoft.com/office/drawing/2014/main" xmlns="" val="2011313899"/>
                     </a:ext>
                   </a:extLst>
                 </a:gridCol>
@@ -8640,7 +8640,7 @@
                 </a:tc>
                 <a:extLst>
                   <a:ext uri="{0D108BD9-81ED-4DB2-BD59-A6C34878D82A}">
-                    <a16:rowId xmlns:a16="http://schemas.microsoft.com/office/drawing/2014/main" val="1789177411"/>
+                    <a16:rowId xmlns:a16="http://schemas.microsoft.com/office/drawing/2014/main" xmlns="" val="1789177411"/>
                   </a:ext>
                 </a:extLst>
               </a:tr>
@@ -8694,7 +8694,7 @@
                 </a:tc>
                 <a:extLst>
                   <a:ext uri="{0D108BD9-81ED-4DB2-BD59-A6C34878D82A}">
-                    <a16:rowId xmlns:a16="http://schemas.microsoft.com/office/drawing/2014/main" val="3842815335"/>
+                    <a16:rowId xmlns:a16="http://schemas.microsoft.com/office/drawing/2014/main" xmlns="" val="3842815335"/>
                   </a:ext>
                 </a:extLst>
               </a:tr>
@@ -8741,7 +8741,7 @@
                 </a:tc>
                 <a:extLst>
                   <a:ext uri="{0D108BD9-81ED-4DB2-BD59-A6C34878D82A}">
-                    <a16:rowId xmlns:a16="http://schemas.microsoft.com/office/drawing/2014/main" val="321066646"/>
+                    <a16:rowId xmlns:a16="http://schemas.microsoft.com/office/drawing/2014/main" xmlns="" val="321066646"/>
                   </a:ext>
                 </a:extLst>
               </a:tr>
@@ -8812,7 +8812,7 @@
                 </a:tc>
                 <a:extLst>
                   <a:ext uri="{0D108BD9-81ED-4DB2-BD59-A6C34878D82A}">
-                    <a16:rowId xmlns:a16="http://schemas.microsoft.com/office/drawing/2014/main" val="3812060533"/>
+                    <a16:rowId xmlns:a16="http://schemas.microsoft.com/office/drawing/2014/main" xmlns="" val="3812060533"/>
                   </a:ext>
                 </a:extLst>
               </a:tr>
@@ -8852,7 +8852,7 @@
                 </a:tc>
                 <a:extLst>
                   <a:ext uri="{0D108BD9-81ED-4DB2-BD59-A6C34878D82A}">
-                    <a16:rowId xmlns:a16="http://schemas.microsoft.com/office/drawing/2014/main" val="733235577"/>
+                    <a16:rowId xmlns:a16="http://schemas.microsoft.com/office/drawing/2014/main" xmlns="" val="733235577"/>
                   </a:ext>
                 </a:extLst>
               </a:tr>
@@ -8960,14 +8960,14 @@
                 <a:gridCol w="5762625">
                   <a:extLst>
                     <a:ext uri="{9D8B030D-6E8A-4147-A177-3AD203B41FA5}">
-                      <a16:colId xmlns:a16="http://schemas.microsoft.com/office/drawing/2014/main" val="1632794655"/>
+                      <a16:colId xmlns:a16="http://schemas.microsoft.com/office/drawing/2014/main" xmlns="" val="1632794655"/>
                     </a:ext>
                   </a:extLst>
                 </a:gridCol>
                 <a:gridCol w="5762625">
                   <a:extLst>
                     <a:ext uri="{9D8B030D-6E8A-4147-A177-3AD203B41FA5}">
-                      <a16:colId xmlns:a16="http://schemas.microsoft.com/office/drawing/2014/main" val="2011313899"/>
+                      <a16:colId xmlns:a16="http://schemas.microsoft.com/office/drawing/2014/main" xmlns="" val="2011313899"/>
                     </a:ext>
                   </a:extLst>
                 </a:gridCol>
@@ -9005,7 +9005,7 @@
                 </a:tc>
                 <a:extLst>
                   <a:ext uri="{0D108BD9-81ED-4DB2-BD59-A6C34878D82A}">
-                    <a16:rowId xmlns:a16="http://schemas.microsoft.com/office/drawing/2014/main" val="1789177411"/>
+                    <a16:rowId xmlns:a16="http://schemas.microsoft.com/office/drawing/2014/main" xmlns="" val="1789177411"/>
                   </a:ext>
                 </a:extLst>
               </a:tr>
@@ -9052,7 +9052,7 @@
                 </a:tc>
                 <a:extLst>
                   <a:ext uri="{0D108BD9-81ED-4DB2-BD59-A6C34878D82A}">
-                    <a16:rowId xmlns:a16="http://schemas.microsoft.com/office/drawing/2014/main" val="3842815335"/>
+                    <a16:rowId xmlns:a16="http://schemas.microsoft.com/office/drawing/2014/main" xmlns="" val="3842815335"/>
                   </a:ext>
                 </a:extLst>
               </a:tr>
@@ -9106,7 +9106,7 @@
                 </a:tc>
                 <a:extLst>
                   <a:ext uri="{0D108BD9-81ED-4DB2-BD59-A6C34878D82A}">
-                    <a16:rowId xmlns:a16="http://schemas.microsoft.com/office/drawing/2014/main" val="321066646"/>
+                    <a16:rowId xmlns:a16="http://schemas.microsoft.com/office/drawing/2014/main" xmlns="" val="321066646"/>
                   </a:ext>
                 </a:extLst>
               </a:tr>
@@ -9166,7 +9166,7 @@
                 </a:tc>
                 <a:extLst>
                   <a:ext uri="{0D108BD9-81ED-4DB2-BD59-A6C34878D82A}">
-                    <a16:rowId xmlns:a16="http://schemas.microsoft.com/office/drawing/2014/main" val="3812060533"/>
+                    <a16:rowId xmlns:a16="http://schemas.microsoft.com/office/drawing/2014/main" xmlns="" val="3812060533"/>
                   </a:ext>
                 </a:extLst>
               </a:tr>
@@ -9206,7 +9206,7 @@
                 </a:tc>
                 <a:extLst>
                   <a:ext uri="{0D108BD9-81ED-4DB2-BD59-A6C34878D82A}">
-                    <a16:rowId xmlns:a16="http://schemas.microsoft.com/office/drawing/2014/main" val="733235577"/>
+                    <a16:rowId xmlns:a16="http://schemas.microsoft.com/office/drawing/2014/main" xmlns="" val="733235577"/>
                   </a:ext>
                 </a:extLst>
               </a:tr>
@@ -9318,30 +9318,52 @@
             </a:r>
           </a:p>
           <a:p>
+            <a:pPr lvl="1"/>
             <a:r>
               <a:rPr lang="en-US" dirty="0" smtClean="0"/>
-              <a:t>Suggested Prerequisites/Supporting Material</a:t>
+              <a:t>Career changers</a:t>
             </a:r>
           </a:p>
           <a:p>
             <a:pPr lvl="1"/>
             <a:r>
-              <a:rPr lang="en-US" dirty="0" err="1"/>
-              <a:t>Spiz</a:t>
-            </a:r>
-            <a:endParaRPr lang="en-US" dirty="0"/>
+              <a:rPr lang="en-US" dirty="0" smtClean="0"/>
+              <a:t>IT Pros</a:t>
+            </a:r>
           </a:p>
           <a:p>
             <a:pPr lvl="1"/>
             <a:r>
-              <a:rPr lang="en-US" dirty="0" err="1"/>
-              <a:t>Spiz</a:t>
-            </a:r>
-            <a:endParaRPr lang="en-US" dirty="0"/>
+              <a:rPr lang="en-US" dirty="0" smtClean="0"/>
+              <a:t>Anyone with an interest in learning to code</a:t>
+            </a:r>
+          </a:p>
+          <a:p>
+            <a:r>
+              <a:rPr lang="en-US" dirty="0" smtClean="0"/>
+              <a:t>If you want to follow along...</a:t>
+            </a:r>
           </a:p>
           <a:p>
             <a:pPr lvl="1"/>
-            <a:endParaRPr lang="en-US" dirty="0" smtClean="0"/>
+            <a:r>
+              <a:rPr lang="en-US" dirty="0" smtClean="0"/>
+              <a:t>Install Visual Studio Express</a:t>
+            </a:r>
+          </a:p>
+          <a:p>
+            <a:pPr lvl="1"/>
+            <a:r>
+              <a:rPr lang="en-US" dirty="0" smtClean="0"/>
+              <a:t>Install the Python tools</a:t>
+            </a:r>
+          </a:p>
+          <a:p>
+            <a:pPr lvl="2"/>
+            <a:r>
+              <a:rPr lang="en-US" dirty="0" smtClean="0"/>
+              <a:t>Instructions coming soon...</a:t>
+            </a:r>
           </a:p>
         </p:txBody>
       </p:sp>

--- a/Office Docs/1 Getting Started.pptx
+++ b/Office Docs/1 Getting Started.pptx
@@ -4900,7 +4900,19 @@
           <a:p>
             <a:r>
               <a:rPr lang="en-CA" dirty="0" smtClean="0"/>
-              <a:t>A student in the UK made a desktop </a:t>
+              <a:t>A student in </a:t>
+            </a:r>
+            <a:r>
+              <a:rPr lang="en-CA" smtClean="0"/>
+              <a:t>the </a:t>
+            </a:r>
+            <a:r>
+              <a:rPr lang="en-CA" smtClean="0"/>
+              <a:t>England </a:t>
+            </a:r>
+            <a:r>
+              <a:rPr lang="en-CA" dirty="0" smtClean="0"/>
+              <a:t>made a desktop </a:t>
             </a:r>
             <a:r>
               <a:rPr lang="en-CA" dirty="0" smtClean="0">
@@ -8595,14 +8607,14 @@
                 <a:gridCol w="5762625">
                   <a:extLst>
                     <a:ext uri="{9D8B030D-6E8A-4147-A177-3AD203B41FA5}">
-                      <a16:colId xmlns:a16="http://schemas.microsoft.com/office/drawing/2014/main" xmlns="" val="1632794655"/>
+                      <a16:colId xmlns="" xmlns:a16="http://schemas.microsoft.com/office/drawing/2014/main" val="1632794655"/>
                     </a:ext>
                   </a:extLst>
                 </a:gridCol>
                 <a:gridCol w="5762625">
                   <a:extLst>
                     <a:ext uri="{9D8B030D-6E8A-4147-A177-3AD203B41FA5}">
-                      <a16:colId xmlns:a16="http://schemas.microsoft.com/office/drawing/2014/main" xmlns="" val="2011313899"/>
+                      <a16:colId xmlns="" xmlns:a16="http://schemas.microsoft.com/office/drawing/2014/main" val="2011313899"/>
                     </a:ext>
                   </a:extLst>
                 </a:gridCol>
@@ -8640,7 +8652,7 @@
                 </a:tc>
                 <a:extLst>
                   <a:ext uri="{0D108BD9-81ED-4DB2-BD59-A6C34878D82A}">
-                    <a16:rowId xmlns:a16="http://schemas.microsoft.com/office/drawing/2014/main" xmlns="" val="1789177411"/>
+                    <a16:rowId xmlns="" xmlns:a16="http://schemas.microsoft.com/office/drawing/2014/main" val="1789177411"/>
                   </a:ext>
                 </a:extLst>
               </a:tr>
@@ -8694,7 +8706,7 @@
                 </a:tc>
                 <a:extLst>
                   <a:ext uri="{0D108BD9-81ED-4DB2-BD59-A6C34878D82A}">
-                    <a16:rowId xmlns:a16="http://schemas.microsoft.com/office/drawing/2014/main" xmlns="" val="3842815335"/>
+                    <a16:rowId xmlns="" xmlns:a16="http://schemas.microsoft.com/office/drawing/2014/main" val="3842815335"/>
                   </a:ext>
                 </a:extLst>
               </a:tr>
@@ -8741,7 +8753,7 @@
                 </a:tc>
                 <a:extLst>
                   <a:ext uri="{0D108BD9-81ED-4DB2-BD59-A6C34878D82A}">
-                    <a16:rowId xmlns:a16="http://schemas.microsoft.com/office/drawing/2014/main" xmlns="" val="321066646"/>
+                    <a16:rowId xmlns="" xmlns:a16="http://schemas.microsoft.com/office/drawing/2014/main" val="321066646"/>
                   </a:ext>
                 </a:extLst>
               </a:tr>
@@ -8812,7 +8824,7 @@
                 </a:tc>
                 <a:extLst>
                   <a:ext uri="{0D108BD9-81ED-4DB2-BD59-A6C34878D82A}">
-                    <a16:rowId xmlns:a16="http://schemas.microsoft.com/office/drawing/2014/main" xmlns="" val="3812060533"/>
+                    <a16:rowId xmlns="" xmlns:a16="http://schemas.microsoft.com/office/drawing/2014/main" val="3812060533"/>
                   </a:ext>
                 </a:extLst>
               </a:tr>
@@ -8852,7 +8864,7 @@
                 </a:tc>
                 <a:extLst>
                   <a:ext uri="{0D108BD9-81ED-4DB2-BD59-A6C34878D82A}">
-                    <a16:rowId xmlns:a16="http://schemas.microsoft.com/office/drawing/2014/main" xmlns="" val="733235577"/>
+                    <a16:rowId xmlns="" xmlns:a16="http://schemas.microsoft.com/office/drawing/2014/main" val="733235577"/>
                   </a:ext>
                 </a:extLst>
               </a:tr>
@@ -8960,14 +8972,14 @@
                 <a:gridCol w="5762625">
                   <a:extLst>
                     <a:ext uri="{9D8B030D-6E8A-4147-A177-3AD203B41FA5}">
-                      <a16:colId xmlns:a16="http://schemas.microsoft.com/office/drawing/2014/main" xmlns="" val="1632794655"/>
+                      <a16:colId xmlns="" xmlns:a16="http://schemas.microsoft.com/office/drawing/2014/main" val="1632794655"/>
                     </a:ext>
                   </a:extLst>
                 </a:gridCol>
                 <a:gridCol w="5762625">
                   <a:extLst>
                     <a:ext uri="{9D8B030D-6E8A-4147-A177-3AD203B41FA5}">
-                      <a16:colId xmlns:a16="http://schemas.microsoft.com/office/drawing/2014/main" xmlns="" val="2011313899"/>
+                      <a16:colId xmlns="" xmlns:a16="http://schemas.microsoft.com/office/drawing/2014/main" val="2011313899"/>
                     </a:ext>
                   </a:extLst>
                 </a:gridCol>
@@ -9005,7 +9017,7 @@
                 </a:tc>
                 <a:extLst>
                   <a:ext uri="{0D108BD9-81ED-4DB2-BD59-A6C34878D82A}">
-                    <a16:rowId xmlns:a16="http://schemas.microsoft.com/office/drawing/2014/main" xmlns="" val="1789177411"/>
+                    <a16:rowId xmlns="" xmlns:a16="http://schemas.microsoft.com/office/drawing/2014/main" val="1789177411"/>
                   </a:ext>
                 </a:extLst>
               </a:tr>
@@ -9052,7 +9064,7 @@
                 </a:tc>
                 <a:extLst>
                   <a:ext uri="{0D108BD9-81ED-4DB2-BD59-A6C34878D82A}">
-                    <a16:rowId xmlns:a16="http://schemas.microsoft.com/office/drawing/2014/main" xmlns="" val="3842815335"/>
+                    <a16:rowId xmlns="" xmlns:a16="http://schemas.microsoft.com/office/drawing/2014/main" val="3842815335"/>
                   </a:ext>
                 </a:extLst>
               </a:tr>
@@ -9106,7 +9118,7 @@
                 </a:tc>
                 <a:extLst>
                   <a:ext uri="{0D108BD9-81ED-4DB2-BD59-A6C34878D82A}">
-                    <a16:rowId xmlns:a16="http://schemas.microsoft.com/office/drawing/2014/main" xmlns="" val="321066646"/>
+                    <a16:rowId xmlns="" xmlns:a16="http://schemas.microsoft.com/office/drawing/2014/main" val="321066646"/>
                   </a:ext>
                 </a:extLst>
               </a:tr>
@@ -9166,7 +9178,7 @@
                 </a:tc>
                 <a:extLst>
                   <a:ext uri="{0D108BD9-81ED-4DB2-BD59-A6C34878D82A}">
-                    <a16:rowId xmlns:a16="http://schemas.microsoft.com/office/drawing/2014/main" xmlns="" val="3812060533"/>
+                    <a16:rowId xmlns="" xmlns:a16="http://schemas.microsoft.com/office/drawing/2014/main" val="3812060533"/>
                   </a:ext>
                 </a:extLst>
               </a:tr>
@@ -9206,7 +9218,7 @@
                 </a:tc>
                 <a:extLst>
                   <a:ext uri="{0D108BD9-81ED-4DB2-BD59-A6C34878D82A}">
-                    <a16:rowId xmlns:a16="http://schemas.microsoft.com/office/drawing/2014/main" xmlns="" val="733235577"/>
+                    <a16:rowId xmlns="" xmlns:a16="http://schemas.microsoft.com/office/drawing/2014/main" val="733235577"/>
                   </a:ext>
                 </a:extLst>
               </a:tr>

--- a/Office Docs/1 Getting Started.pptx
+++ b/Office Docs/1 Getting Started.pptx
@@ -5,7 +5,7 @@
     <p:sldMasterId id="2147483660" r:id="rId1"/>
   </p:sldMasterIdLst>
   <p:notesMasterIdLst>
-    <p:notesMasterId r:id="rId27"/>
+    <p:notesMasterId r:id="rId28"/>
   </p:notesMasterIdLst>
   <p:sldIdLst>
     <p:sldId id="451" r:id="rId2"/>
@@ -28,11 +28,12 @@
     <p:sldId id="443" r:id="rId19"/>
     <p:sldId id="444" r:id="rId20"/>
     <p:sldId id="446" r:id="rId21"/>
-    <p:sldId id="445" r:id="rId22"/>
-    <p:sldId id="447" r:id="rId23"/>
-    <p:sldId id="448" r:id="rId24"/>
-    <p:sldId id="449" r:id="rId25"/>
-    <p:sldId id="450" r:id="rId26"/>
+    <p:sldId id="460" r:id="rId22"/>
+    <p:sldId id="445" r:id="rId23"/>
+    <p:sldId id="447" r:id="rId24"/>
+    <p:sldId id="448" r:id="rId25"/>
+    <p:sldId id="449" r:id="rId26"/>
+    <p:sldId id="450" r:id="rId27"/>
   </p:sldIdLst>
   <p:sldSz cx="12192000" cy="6858000"/>
   <p:notesSz cx="6858000" cy="9144000"/>
@@ -156,6 +157,7 @@
             <p14:sldId id="443"/>
             <p14:sldId id="444"/>
             <p14:sldId id="446"/>
+            <p14:sldId id="460"/>
             <p14:sldId id="445"/>
             <p14:sldId id="447"/>
             <p14:sldId id="448"/>
@@ -260,7 +262,7 @@
           <a:p>
             <a:fld id="{A9DDBD42-E139-45FA-9C16-1611187CAC3F}" type="datetimeFigureOut">
               <a:rPr lang="en-US" smtClean="0"/>
-              <a:t>9/22/2014</a:t>
+              <a:t>9/23/2014</a:t>
             </a:fld>
             <a:endParaRPr lang="en-US"/>
           </a:p>
@@ -4904,11 +4906,7 @@
             </a:r>
             <a:r>
               <a:rPr lang="en-CA" smtClean="0"/>
-              <a:t>the </a:t>
-            </a:r>
-            <a:r>
-              <a:rPr lang="en-CA" smtClean="0"/>
-              <a:t>England </a:t>
+              <a:t>the England </a:t>
             </a:r>
             <a:r>
               <a:rPr lang="en-CA" dirty="0" smtClean="0"/>
@@ -7172,6 +7170,78 @@
       </p:grpSpPr>
       <p:sp>
         <p:nvSpPr>
+          <p:cNvPr id="5" name="Text Placeholder 4"/>
+          <p:cNvSpPr>
+            <a:spLocks noGrp="1"/>
+          </p:cNvSpPr>
+          <p:nvPr>
+            <p:ph type="body" sz="quarter" idx="10"/>
+          </p:nvPr>
+        </p:nvSpPr>
+        <p:spPr/>
+        <p:txBody>
+          <a:bodyPr/>
+          <a:lstStyle/>
+          <a:p>
+            <a:r>
+              <a:rPr lang="en-US" dirty="0" smtClean="0"/>
+              <a:t>Best Practices</a:t>
+            </a:r>
+            <a:endParaRPr lang="en-US" dirty="0"/>
+          </a:p>
+        </p:txBody>
+      </p:sp>
+      <p:sp>
+        <p:nvSpPr>
+          <p:cNvPr id="4" name="Subtitle 3"/>
+          <p:cNvSpPr>
+            <a:spLocks noGrp="1"/>
+          </p:cNvSpPr>
+          <p:nvPr>
+            <p:ph type="subTitle" idx="1"/>
+          </p:nvPr>
+        </p:nvSpPr>
+        <p:spPr/>
+        <p:txBody>
+          <a:bodyPr/>
+          <a:lstStyle/>
+          <a:p>
+            <a:endParaRPr lang="en-US"/>
+          </a:p>
+        </p:txBody>
+      </p:sp>
+    </p:spTree>
+    <p:extLst>
+      <p:ext uri="{BB962C8B-B14F-4D97-AF65-F5344CB8AC3E}">
+        <p14:creationId xmlns:p14="http://schemas.microsoft.com/office/powerpoint/2010/main" val="3556074726"/>
+      </p:ext>
+    </p:extLst>
+  </p:cSld>
+  <p:clrMapOvr>
+    <a:masterClrMapping/>
+  </p:clrMapOvr>
+</p:sld>
+</file>
+
+<file path=ppt/slides/slide22.xml><?xml version="1.0" encoding="utf-8"?>
+<p:sld xmlns:a="http://schemas.openxmlformats.org/drawingml/2006/main" xmlns:r="http://schemas.openxmlformats.org/officeDocument/2006/relationships" xmlns:p="http://schemas.openxmlformats.org/presentationml/2006/main">
+  <p:cSld>
+    <p:spTree>
+      <p:nvGrpSpPr>
+        <p:cNvPr id="1" name=""/>
+        <p:cNvGrpSpPr/>
+        <p:nvPr/>
+      </p:nvGrpSpPr>
+      <p:grpSpPr>
+        <a:xfrm>
+          <a:off x="0" y="0"/>
+          <a:ext cx="0" cy="0"/>
+          <a:chOff x="0" y="0"/>
+          <a:chExt cx="0" cy="0"/>
+        </a:xfrm>
+      </p:grpSpPr>
+      <p:sp>
+        <p:nvSpPr>
           <p:cNvPr id="3" name="Title 2"/>
           <p:cNvSpPr>
             <a:spLocks noGrp="1"/>
@@ -7469,7 +7539,7 @@
 </p:sld>
 </file>
 
-<file path=ppt/slides/slide22.xml><?xml version="1.0" encoding="utf-8"?>
+<file path=ppt/slides/slide23.xml><?xml version="1.0" encoding="utf-8"?>
 <p:sld xmlns:a="http://schemas.openxmlformats.org/drawingml/2006/main" xmlns:r="http://schemas.openxmlformats.org/officeDocument/2006/relationships" xmlns:p="http://schemas.openxmlformats.org/presentationml/2006/main">
   <p:cSld>
     <p:spTree>
@@ -7909,7 +7979,7 @@
 </p:sld>
 </file>
 
-<file path=ppt/slides/slide23.xml><?xml version="1.0" encoding="utf-8"?>
+<file path=ppt/slides/slide24.xml><?xml version="1.0" encoding="utf-8"?>
 <p:sld xmlns:a="http://schemas.openxmlformats.org/drawingml/2006/main" xmlns:r="http://schemas.openxmlformats.org/officeDocument/2006/relationships" xmlns:p="http://schemas.openxmlformats.org/presentationml/2006/main">
   <p:cSld>
     <p:spTree>
@@ -8195,7 +8265,7 @@
 </p:sld>
 </file>
 
-<file path=ppt/slides/slide24.xml><?xml version="1.0" encoding="utf-8"?>
+<file path=ppt/slides/slide25.xml><?xml version="1.0" encoding="utf-8"?>
 <p:sld xmlns:a="http://schemas.openxmlformats.org/drawingml/2006/main" xmlns:r="http://schemas.openxmlformats.org/officeDocument/2006/relationships" xmlns:p="http://schemas.openxmlformats.org/presentationml/2006/main">
   <p:cSld>
     <p:spTree>
@@ -8287,7 +8357,7 @@
 </p:sld>
 </file>
 
-<file path=ppt/slides/slide25.xml><?xml version="1.0" encoding="utf-8"?>
+<file path=ppt/slides/slide26.xml><?xml version="1.0" encoding="utf-8"?>
 <p:sld xmlns:a="http://schemas.openxmlformats.org/drawingml/2006/main" xmlns:r="http://schemas.openxmlformats.org/officeDocument/2006/relationships" xmlns:p="http://schemas.openxmlformats.org/presentationml/2006/main">
   <p:cSld>
     <p:spTree>
@@ -8607,14 +8677,14 @@
                 <a:gridCol w="5762625">
                   <a:extLst>
                     <a:ext uri="{9D8B030D-6E8A-4147-A177-3AD203B41FA5}">
-                      <a16:colId xmlns="" xmlns:a16="http://schemas.microsoft.com/office/drawing/2014/main" val="1632794655"/>
+                      <a16:colId xmlns:a16="http://schemas.microsoft.com/office/drawing/2014/main" xmlns="" val="1632794655"/>
                     </a:ext>
                   </a:extLst>
                 </a:gridCol>
                 <a:gridCol w="5762625">
                   <a:extLst>
                     <a:ext uri="{9D8B030D-6E8A-4147-A177-3AD203B41FA5}">
-                      <a16:colId xmlns="" xmlns:a16="http://schemas.microsoft.com/office/drawing/2014/main" val="2011313899"/>
+                      <a16:colId xmlns:a16="http://schemas.microsoft.com/office/drawing/2014/main" xmlns="" val="2011313899"/>
                     </a:ext>
                   </a:extLst>
                 </a:gridCol>
@@ -8652,7 +8722,7 @@
                 </a:tc>
                 <a:extLst>
                   <a:ext uri="{0D108BD9-81ED-4DB2-BD59-A6C34878D82A}">
-                    <a16:rowId xmlns="" xmlns:a16="http://schemas.microsoft.com/office/drawing/2014/main" val="1789177411"/>
+                    <a16:rowId xmlns:a16="http://schemas.microsoft.com/office/drawing/2014/main" xmlns="" val="1789177411"/>
                   </a:ext>
                 </a:extLst>
               </a:tr>
@@ -8706,7 +8776,7 @@
                 </a:tc>
                 <a:extLst>
                   <a:ext uri="{0D108BD9-81ED-4DB2-BD59-A6C34878D82A}">
-                    <a16:rowId xmlns="" xmlns:a16="http://schemas.microsoft.com/office/drawing/2014/main" val="3842815335"/>
+                    <a16:rowId xmlns:a16="http://schemas.microsoft.com/office/drawing/2014/main" xmlns="" val="3842815335"/>
                   </a:ext>
                 </a:extLst>
               </a:tr>
@@ -8753,7 +8823,7 @@
                 </a:tc>
                 <a:extLst>
                   <a:ext uri="{0D108BD9-81ED-4DB2-BD59-A6C34878D82A}">
-                    <a16:rowId xmlns="" xmlns:a16="http://schemas.microsoft.com/office/drawing/2014/main" val="321066646"/>
+                    <a16:rowId xmlns:a16="http://schemas.microsoft.com/office/drawing/2014/main" xmlns="" val="321066646"/>
                   </a:ext>
                 </a:extLst>
               </a:tr>
@@ -8824,7 +8894,7 @@
                 </a:tc>
                 <a:extLst>
                   <a:ext uri="{0D108BD9-81ED-4DB2-BD59-A6C34878D82A}">
-                    <a16:rowId xmlns="" xmlns:a16="http://schemas.microsoft.com/office/drawing/2014/main" val="3812060533"/>
+                    <a16:rowId xmlns:a16="http://schemas.microsoft.com/office/drawing/2014/main" xmlns="" val="3812060533"/>
                   </a:ext>
                 </a:extLst>
               </a:tr>
@@ -8864,7 +8934,7 @@
                 </a:tc>
                 <a:extLst>
                   <a:ext uri="{0D108BD9-81ED-4DB2-BD59-A6C34878D82A}">
-                    <a16:rowId xmlns="" xmlns:a16="http://schemas.microsoft.com/office/drawing/2014/main" val="733235577"/>
+                    <a16:rowId xmlns:a16="http://schemas.microsoft.com/office/drawing/2014/main" xmlns="" val="733235577"/>
                   </a:ext>
                 </a:extLst>
               </a:tr>
@@ -8972,14 +9042,14 @@
                 <a:gridCol w="5762625">
                   <a:extLst>
                     <a:ext uri="{9D8B030D-6E8A-4147-A177-3AD203B41FA5}">
-                      <a16:colId xmlns="" xmlns:a16="http://schemas.microsoft.com/office/drawing/2014/main" val="1632794655"/>
+                      <a16:colId xmlns:a16="http://schemas.microsoft.com/office/drawing/2014/main" xmlns="" val="1632794655"/>
                     </a:ext>
                   </a:extLst>
                 </a:gridCol>
                 <a:gridCol w="5762625">
                   <a:extLst>
                     <a:ext uri="{9D8B030D-6E8A-4147-A177-3AD203B41FA5}">
-                      <a16:colId xmlns="" xmlns:a16="http://schemas.microsoft.com/office/drawing/2014/main" val="2011313899"/>
+                      <a16:colId xmlns:a16="http://schemas.microsoft.com/office/drawing/2014/main" xmlns="" val="2011313899"/>
                     </a:ext>
                   </a:extLst>
                 </a:gridCol>
@@ -9017,7 +9087,7 @@
                 </a:tc>
                 <a:extLst>
                   <a:ext uri="{0D108BD9-81ED-4DB2-BD59-A6C34878D82A}">
-                    <a16:rowId xmlns="" xmlns:a16="http://schemas.microsoft.com/office/drawing/2014/main" val="1789177411"/>
+                    <a16:rowId xmlns:a16="http://schemas.microsoft.com/office/drawing/2014/main" xmlns="" val="1789177411"/>
                   </a:ext>
                 </a:extLst>
               </a:tr>
@@ -9064,7 +9134,7 @@
                 </a:tc>
                 <a:extLst>
                   <a:ext uri="{0D108BD9-81ED-4DB2-BD59-A6C34878D82A}">
-                    <a16:rowId xmlns="" xmlns:a16="http://schemas.microsoft.com/office/drawing/2014/main" val="3842815335"/>
+                    <a16:rowId xmlns:a16="http://schemas.microsoft.com/office/drawing/2014/main" xmlns="" val="3842815335"/>
                   </a:ext>
                 </a:extLst>
               </a:tr>
@@ -9118,7 +9188,7 @@
                 </a:tc>
                 <a:extLst>
                   <a:ext uri="{0D108BD9-81ED-4DB2-BD59-A6C34878D82A}">
-                    <a16:rowId xmlns="" xmlns:a16="http://schemas.microsoft.com/office/drawing/2014/main" val="321066646"/>
+                    <a16:rowId xmlns:a16="http://schemas.microsoft.com/office/drawing/2014/main" xmlns="" val="321066646"/>
                   </a:ext>
                 </a:extLst>
               </a:tr>
@@ -9178,7 +9248,7 @@
                 </a:tc>
                 <a:extLst>
                   <a:ext uri="{0D108BD9-81ED-4DB2-BD59-A6C34878D82A}">
-                    <a16:rowId xmlns="" xmlns:a16="http://schemas.microsoft.com/office/drawing/2014/main" val="3812060533"/>
+                    <a16:rowId xmlns:a16="http://schemas.microsoft.com/office/drawing/2014/main" xmlns="" val="3812060533"/>
                   </a:ext>
                 </a:extLst>
               </a:tr>
@@ -9218,7 +9288,7 @@
                 </a:tc>
                 <a:extLst>
                   <a:ext uri="{0D108BD9-81ED-4DB2-BD59-A6C34878D82A}">
-                    <a16:rowId xmlns="" xmlns:a16="http://schemas.microsoft.com/office/drawing/2014/main" val="733235577"/>
+                    <a16:rowId xmlns:a16="http://schemas.microsoft.com/office/drawing/2014/main" xmlns="" val="733235577"/>
                   </a:ext>
                 </a:extLst>
               </a:tr>

--- a/Office Docs/1 Getting Started.pptx
+++ b/Office Docs/1 Getting Started.pptx
@@ -7184,8 +7184,12 @@
           <a:lstStyle/>
           <a:p>
             <a:r>
-              <a:rPr lang="en-US" dirty="0" smtClean="0"/>
-              <a:t>Best Practices</a:t>
+              <a:rPr lang="en-US" smtClean="0"/>
+              <a:t>Best </a:t>
+            </a:r>
+            <a:r>
+              <a:rPr lang="en-US" smtClean="0"/>
+              <a:t>practices</a:t>
             </a:r>
             <a:endParaRPr lang="en-US" dirty="0"/>
           </a:p>
@@ -8677,14 +8681,14 @@
                 <a:gridCol w="5762625">
                   <a:extLst>
                     <a:ext uri="{9D8B030D-6E8A-4147-A177-3AD203B41FA5}">
-                      <a16:colId xmlns:a16="http://schemas.microsoft.com/office/drawing/2014/main" xmlns="" val="1632794655"/>
+                      <a16:colId xmlns="" xmlns:a16="http://schemas.microsoft.com/office/drawing/2014/main" val="1632794655"/>
                     </a:ext>
                   </a:extLst>
                 </a:gridCol>
                 <a:gridCol w="5762625">
                   <a:extLst>
                     <a:ext uri="{9D8B030D-6E8A-4147-A177-3AD203B41FA5}">
-                      <a16:colId xmlns:a16="http://schemas.microsoft.com/office/drawing/2014/main" xmlns="" val="2011313899"/>
+                      <a16:colId xmlns="" xmlns:a16="http://schemas.microsoft.com/office/drawing/2014/main" val="2011313899"/>
                     </a:ext>
                   </a:extLst>
                 </a:gridCol>
@@ -8722,7 +8726,7 @@
                 </a:tc>
                 <a:extLst>
                   <a:ext uri="{0D108BD9-81ED-4DB2-BD59-A6C34878D82A}">
-                    <a16:rowId xmlns:a16="http://schemas.microsoft.com/office/drawing/2014/main" xmlns="" val="1789177411"/>
+                    <a16:rowId xmlns="" xmlns:a16="http://schemas.microsoft.com/office/drawing/2014/main" val="1789177411"/>
                   </a:ext>
                 </a:extLst>
               </a:tr>
@@ -8776,7 +8780,7 @@
                 </a:tc>
                 <a:extLst>
                   <a:ext uri="{0D108BD9-81ED-4DB2-BD59-A6C34878D82A}">
-                    <a16:rowId xmlns:a16="http://schemas.microsoft.com/office/drawing/2014/main" xmlns="" val="3842815335"/>
+                    <a16:rowId xmlns="" xmlns:a16="http://schemas.microsoft.com/office/drawing/2014/main" val="3842815335"/>
                   </a:ext>
                 </a:extLst>
               </a:tr>
@@ -8823,7 +8827,7 @@
                 </a:tc>
                 <a:extLst>
                   <a:ext uri="{0D108BD9-81ED-4DB2-BD59-A6C34878D82A}">
-                    <a16:rowId xmlns:a16="http://schemas.microsoft.com/office/drawing/2014/main" xmlns="" val="321066646"/>
+                    <a16:rowId xmlns="" xmlns:a16="http://schemas.microsoft.com/office/drawing/2014/main" val="321066646"/>
                   </a:ext>
                 </a:extLst>
               </a:tr>
@@ -8894,7 +8898,7 @@
                 </a:tc>
                 <a:extLst>
                   <a:ext uri="{0D108BD9-81ED-4DB2-BD59-A6C34878D82A}">
-                    <a16:rowId xmlns:a16="http://schemas.microsoft.com/office/drawing/2014/main" xmlns="" val="3812060533"/>
+                    <a16:rowId xmlns="" xmlns:a16="http://schemas.microsoft.com/office/drawing/2014/main" val="3812060533"/>
                   </a:ext>
                 </a:extLst>
               </a:tr>
@@ -8934,7 +8938,7 @@
                 </a:tc>
                 <a:extLst>
                   <a:ext uri="{0D108BD9-81ED-4DB2-BD59-A6C34878D82A}">
-                    <a16:rowId xmlns:a16="http://schemas.microsoft.com/office/drawing/2014/main" xmlns="" val="733235577"/>
+                    <a16:rowId xmlns="" xmlns:a16="http://schemas.microsoft.com/office/drawing/2014/main" val="733235577"/>
                   </a:ext>
                 </a:extLst>
               </a:tr>
@@ -9042,14 +9046,14 @@
                 <a:gridCol w="5762625">
                   <a:extLst>
                     <a:ext uri="{9D8B030D-6E8A-4147-A177-3AD203B41FA5}">
-                      <a16:colId xmlns:a16="http://schemas.microsoft.com/office/drawing/2014/main" xmlns="" val="1632794655"/>
+                      <a16:colId xmlns="" xmlns:a16="http://schemas.microsoft.com/office/drawing/2014/main" val="1632794655"/>
                     </a:ext>
                   </a:extLst>
                 </a:gridCol>
                 <a:gridCol w="5762625">
                   <a:extLst>
                     <a:ext uri="{9D8B030D-6E8A-4147-A177-3AD203B41FA5}">
-                      <a16:colId xmlns:a16="http://schemas.microsoft.com/office/drawing/2014/main" xmlns="" val="2011313899"/>
+                      <a16:colId xmlns="" xmlns:a16="http://schemas.microsoft.com/office/drawing/2014/main" val="2011313899"/>
                     </a:ext>
                   </a:extLst>
                 </a:gridCol>
@@ -9087,7 +9091,7 @@
                 </a:tc>
                 <a:extLst>
                   <a:ext uri="{0D108BD9-81ED-4DB2-BD59-A6C34878D82A}">
-                    <a16:rowId xmlns:a16="http://schemas.microsoft.com/office/drawing/2014/main" xmlns="" val="1789177411"/>
+                    <a16:rowId xmlns="" xmlns:a16="http://schemas.microsoft.com/office/drawing/2014/main" val="1789177411"/>
                   </a:ext>
                 </a:extLst>
               </a:tr>
@@ -9134,7 +9138,7 @@
                 </a:tc>
                 <a:extLst>
                   <a:ext uri="{0D108BD9-81ED-4DB2-BD59-A6C34878D82A}">
-                    <a16:rowId xmlns:a16="http://schemas.microsoft.com/office/drawing/2014/main" xmlns="" val="3842815335"/>
+                    <a16:rowId xmlns="" xmlns:a16="http://schemas.microsoft.com/office/drawing/2014/main" val="3842815335"/>
                   </a:ext>
                 </a:extLst>
               </a:tr>
@@ -9188,7 +9192,7 @@
                 </a:tc>
                 <a:extLst>
                   <a:ext uri="{0D108BD9-81ED-4DB2-BD59-A6C34878D82A}">
-                    <a16:rowId xmlns:a16="http://schemas.microsoft.com/office/drawing/2014/main" xmlns="" val="321066646"/>
+                    <a16:rowId xmlns="" xmlns:a16="http://schemas.microsoft.com/office/drawing/2014/main" val="321066646"/>
                   </a:ext>
                 </a:extLst>
               </a:tr>
@@ -9248,7 +9252,7 @@
                 </a:tc>
                 <a:extLst>
                   <a:ext uri="{0D108BD9-81ED-4DB2-BD59-A6C34878D82A}">
-                    <a16:rowId xmlns:a16="http://schemas.microsoft.com/office/drawing/2014/main" xmlns="" val="3812060533"/>
+                    <a16:rowId xmlns="" xmlns:a16="http://schemas.microsoft.com/office/drawing/2014/main" val="3812060533"/>
                   </a:ext>
                 </a:extLst>
               </a:tr>
@@ -9288,7 +9292,7 @@
                 </a:tc>
                 <a:extLst>
                   <a:ext uri="{0D108BD9-81ED-4DB2-BD59-A6C34878D82A}">
-                    <a16:rowId xmlns:a16="http://schemas.microsoft.com/office/drawing/2014/main" xmlns="" val="733235577"/>
+                    <a16:rowId xmlns="" xmlns:a16="http://schemas.microsoft.com/office/drawing/2014/main" val="733235577"/>
                   </a:ext>
                 </a:extLst>
               </a:tr>

--- a/Office Docs/1 Getting Started.pptx
+++ b/Office Docs/1 Getting Started.pptx
@@ -262,7 +262,7 @@
           <a:p>
             <a:fld id="{A9DDBD42-E139-45FA-9C16-1611187CAC3F}" type="datetimeFigureOut">
               <a:rPr lang="en-US" smtClean="0"/>
-              <a:t>9/23/2014</a:t>
+              <a:t>9/24/2014</a:t>
             </a:fld>
             <a:endParaRPr lang="en-US"/>
           </a:p>
@@ -7185,11 +7185,7 @@
           <a:p>
             <a:r>
               <a:rPr lang="en-US" smtClean="0"/>
-              <a:t>Best </a:t>
-            </a:r>
-            <a:r>
-              <a:rPr lang="en-US" smtClean="0"/>
-              <a:t>practices</a:t>
+              <a:t>Best practices</a:t>
             </a:r>
             <a:endParaRPr lang="en-US" dirty="0"/>
           </a:p>
@@ -8681,14 +8677,14 @@
                 <a:gridCol w="5762625">
                   <a:extLst>
                     <a:ext uri="{9D8B030D-6E8A-4147-A177-3AD203B41FA5}">
-                      <a16:colId xmlns="" xmlns:a16="http://schemas.microsoft.com/office/drawing/2014/main" val="1632794655"/>
+                      <a16:colId xmlns:a16="http://schemas.microsoft.com/office/drawing/2014/main" xmlns="" val="1632794655"/>
                     </a:ext>
                   </a:extLst>
                 </a:gridCol>
                 <a:gridCol w="5762625">
                   <a:extLst>
                     <a:ext uri="{9D8B030D-6E8A-4147-A177-3AD203B41FA5}">
-                      <a16:colId xmlns="" xmlns:a16="http://schemas.microsoft.com/office/drawing/2014/main" val="2011313899"/>
+                      <a16:colId xmlns:a16="http://schemas.microsoft.com/office/drawing/2014/main" xmlns="" val="2011313899"/>
                     </a:ext>
                   </a:extLst>
                 </a:gridCol>
@@ -8726,7 +8722,7 @@
                 </a:tc>
                 <a:extLst>
                   <a:ext uri="{0D108BD9-81ED-4DB2-BD59-A6C34878D82A}">
-                    <a16:rowId xmlns="" xmlns:a16="http://schemas.microsoft.com/office/drawing/2014/main" val="1789177411"/>
+                    <a16:rowId xmlns:a16="http://schemas.microsoft.com/office/drawing/2014/main" xmlns="" val="1789177411"/>
                   </a:ext>
                 </a:extLst>
               </a:tr>
@@ -8780,7 +8776,7 @@
                 </a:tc>
                 <a:extLst>
                   <a:ext uri="{0D108BD9-81ED-4DB2-BD59-A6C34878D82A}">
-                    <a16:rowId xmlns="" xmlns:a16="http://schemas.microsoft.com/office/drawing/2014/main" val="3842815335"/>
+                    <a16:rowId xmlns:a16="http://schemas.microsoft.com/office/drawing/2014/main" xmlns="" val="3842815335"/>
                   </a:ext>
                 </a:extLst>
               </a:tr>
@@ -8827,7 +8823,7 @@
                 </a:tc>
                 <a:extLst>
                   <a:ext uri="{0D108BD9-81ED-4DB2-BD59-A6C34878D82A}">
-                    <a16:rowId xmlns="" xmlns:a16="http://schemas.microsoft.com/office/drawing/2014/main" val="321066646"/>
+                    <a16:rowId xmlns:a16="http://schemas.microsoft.com/office/drawing/2014/main" xmlns="" val="321066646"/>
                   </a:ext>
                 </a:extLst>
               </a:tr>
@@ -8898,7 +8894,7 @@
                 </a:tc>
                 <a:extLst>
                   <a:ext uri="{0D108BD9-81ED-4DB2-BD59-A6C34878D82A}">
-                    <a16:rowId xmlns="" xmlns:a16="http://schemas.microsoft.com/office/drawing/2014/main" val="3812060533"/>
+                    <a16:rowId xmlns:a16="http://schemas.microsoft.com/office/drawing/2014/main" xmlns="" val="3812060533"/>
                   </a:ext>
                 </a:extLst>
               </a:tr>
@@ -8938,7 +8934,7 @@
                 </a:tc>
                 <a:extLst>
                   <a:ext uri="{0D108BD9-81ED-4DB2-BD59-A6C34878D82A}">
-                    <a16:rowId xmlns="" xmlns:a16="http://schemas.microsoft.com/office/drawing/2014/main" val="733235577"/>
+                    <a16:rowId xmlns:a16="http://schemas.microsoft.com/office/drawing/2014/main" xmlns="" val="733235577"/>
                   </a:ext>
                 </a:extLst>
               </a:tr>
@@ -9046,14 +9042,14 @@
                 <a:gridCol w="5762625">
                   <a:extLst>
                     <a:ext uri="{9D8B030D-6E8A-4147-A177-3AD203B41FA5}">
-                      <a16:colId xmlns="" xmlns:a16="http://schemas.microsoft.com/office/drawing/2014/main" val="1632794655"/>
+                      <a16:colId xmlns:a16="http://schemas.microsoft.com/office/drawing/2014/main" xmlns="" val="1632794655"/>
                     </a:ext>
                   </a:extLst>
                 </a:gridCol>
                 <a:gridCol w="5762625">
                   <a:extLst>
                     <a:ext uri="{9D8B030D-6E8A-4147-A177-3AD203B41FA5}">
-                      <a16:colId xmlns="" xmlns:a16="http://schemas.microsoft.com/office/drawing/2014/main" val="2011313899"/>
+                      <a16:colId xmlns:a16="http://schemas.microsoft.com/office/drawing/2014/main" xmlns="" val="2011313899"/>
                     </a:ext>
                   </a:extLst>
                 </a:gridCol>
@@ -9091,7 +9087,7 @@
                 </a:tc>
                 <a:extLst>
                   <a:ext uri="{0D108BD9-81ED-4DB2-BD59-A6C34878D82A}">
-                    <a16:rowId xmlns="" xmlns:a16="http://schemas.microsoft.com/office/drawing/2014/main" val="1789177411"/>
+                    <a16:rowId xmlns:a16="http://schemas.microsoft.com/office/drawing/2014/main" xmlns="" val="1789177411"/>
                   </a:ext>
                 </a:extLst>
               </a:tr>
@@ -9138,7 +9134,7 @@
                 </a:tc>
                 <a:extLst>
                   <a:ext uri="{0D108BD9-81ED-4DB2-BD59-A6C34878D82A}">
-                    <a16:rowId xmlns="" xmlns:a16="http://schemas.microsoft.com/office/drawing/2014/main" val="3842815335"/>
+                    <a16:rowId xmlns:a16="http://schemas.microsoft.com/office/drawing/2014/main" xmlns="" val="3842815335"/>
                   </a:ext>
                 </a:extLst>
               </a:tr>
@@ -9192,7 +9188,7 @@
                 </a:tc>
                 <a:extLst>
                   <a:ext uri="{0D108BD9-81ED-4DB2-BD59-A6C34878D82A}">
-                    <a16:rowId xmlns="" xmlns:a16="http://schemas.microsoft.com/office/drawing/2014/main" val="321066646"/>
+                    <a16:rowId xmlns:a16="http://schemas.microsoft.com/office/drawing/2014/main" xmlns="" val="321066646"/>
                   </a:ext>
                 </a:extLst>
               </a:tr>
@@ -9252,7 +9248,7 @@
                 </a:tc>
                 <a:extLst>
                   <a:ext uri="{0D108BD9-81ED-4DB2-BD59-A6C34878D82A}">
-                    <a16:rowId xmlns="" xmlns:a16="http://schemas.microsoft.com/office/drawing/2014/main" val="3812060533"/>
+                    <a16:rowId xmlns:a16="http://schemas.microsoft.com/office/drawing/2014/main" xmlns="" val="3812060533"/>
                   </a:ext>
                 </a:extLst>
               </a:tr>
@@ -9292,7 +9288,7 @@
                 </a:tc>
                 <a:extLst>
                   <a:ext uri="{0D108BD9-81ED-4DB2-BD59-A6C34878D82A}">
-                    <a16:rowId xmlns="" xmlns:a16="http://schemas.microsoft.com/office/drawing/2014/main" val="733235577"/>
+                    <a16:rowId xmlns:a16="http://schemas.microsoft.com/office/drawing/2014/main" xmlns="" val="733235577"/>
                   </a:ext>
                 </a:extLst>
               </a:tr>
